--- a/Tech Pres.pptx
+++ b/Tech Pres.pptx
@@ -7,12 +7,13 @@
   <p:sldIdLst>
     <p:sldId id="256" r:id="rId2"/>
     <p:sldId id="257" r:id="rId3"/>
-    <p:sldId id="258" r:id="rId4"/>
-    <p:sldId id="259" r:id="rId5"/>
-    <p:sldId id="260" r:id="rId6"/>
-    <p:sldId id="262" r:id="rId7"/>
-    <p:sldId id="261" r:id="rId8"/>
-    <p:sldId id="263" r:id="rId9"/>
+    <p:sldId id="264" r:id="rId4"/>
+    <p:sldId id="258" r:id="rId5"/>
+    <p:sldId id="259" r:id="rId6"/>
+    <p:sldId id="260" r:id="rId7"/>
+    <p:sldId id="262" r:id="rId8"/>
+    <p:sldId id="261" r:id="rId9"/>
+    <p:sldId id="263" r:id="rId10"/>
   </p:sldIdLst>
   <p:sldSz cx="12192000" cy="6858000"/>
   <p:notesSz cx="6858000" cy="9144000"/>
@@ -250,7 +251,7 @@
           <a:p>
             <a:fld id="{9184DA70-C731-4C70-880D-CCD4705E623C}" type="datetime1">
               <a:rPr lang="en-US" smtClean="0"/>
-              <a:t>3/4/20</a:t>
+              <a:t>3/5/20</a:t>
             </a:fld>
             <a:endParaRPr lang="en-US" dirty="0"/>
           </a:p>
@@ -420,7 +421,7 @@
           <a:p>
             <a:fld id="{B612A279-0833-481D-8C56-F67FD0AC6C50}" type="datetime1">
               <a:rPr lang="en-US" smtClean="0"/>
-              <a:t>3/4/20</a:t>
+              <a:t>3/5/20</a:t>
             </a:fld>
             <a:endParaRPr lang="en-US" dirty="0"/>
           </a:p>
@@ -600,7 +601,7 @@
           <a:p>
             <a:fld id="{6587DA83-5663-4C9C-B9AA-0B40A3DAFF81}" type="datetime1">
               <a:rPr lang="en-US" smtClean="0"/>
-              <a:t>3/4/20</a:t>
+              <a:t>3/5/20</a:t>
             </a:fld>
             <a:endParaRPr lang="en-US" dirty="0"/>
           </a:p>
@@ -770,7 +771,7 @@
           <a:p>
             <a:fld id="{4BE1D723-8F53-4F53-90B0-1982A396982E}" type="datetime1">
               <a:rPr lang="en-US" smtClean="0"/>
-              <a:t>3/4/20</a:t>
+              <a:t>3/5/20</a:t>
             </a:fld>
             <a:endParaRPr lang="en-US" dirty="0"/>
           </a:p>
@@ -1016,7 +1017,7 @@
           <a:p>
             <a:fld id="{97669AF7-7BEB-44E4-9852-375E34362B5B}" type="datetime1">
               <a:rPr lang="en-US" smtClean="0"/>
-              <a:t>3/4/20</a:t>
+              <a:t>3/5/20</a:t>
             </a:fld>
             <a:endParaRPr lang="en-US" dirty="0"/>
           </a:p>
@@ -1248,7 +1249,7 @@
           <a:p>
             <a:fld id="{BAAAC38D-0552-4C82-B593-E6124DFADBE2}" type="datetime1">
               <a:rPr lang="en-US" smtClean="0"/>
-              <a:t>3/4/20</a:t>
+              <a:t>3/5/20</a:t>
             </a:fld>
             <a:endParaRPr lang="en-US" dirty="0"/>
           </a:p>
@@ -1615,7 +1616,7 @@
           <a:p>
             <a:fld id="{D9DF0F1C-5577-4ACB-BB62-DF8F3C494C7E}" type="datetime1">
               <a:rPr lang="en-US" smtClean="0"/>
-              <a:t>3/4/20</a:t>
+              <a:t>3/5/20</a:t>
             </a:fld>
             <a:endParaRPr lang="en-US" dirty="0"/>
           </a:p>
@@ -1733,7 +1734,7 @@
           <a:p>
             <a:fld id="{1775B394-D9F9-4F0C-B15D-605F45CB9E9F}" type="datetime1">
               <a:rPr lang="en-US" smtClean="0"/>
-              <a:t>3/4/20</a:t>
+              <a:t>3/5/20</a:t>
             </a:fld>
             <a:endParaRPr lang="en-US" dirty="0"/>
           </a:p>
@@ -1828,7 +1829,7 @@
           <a:p>
             <a:fld id="{39667345-2558-425A-8533-9BFDBCE15005}" type="datetime1">
               <a:rPr lang="en-US" smtClean="0"/>
-              <a:t>3/4/20</a:t>
+              <a:t>3/5/20</a:t>
             </a:fld>
             <a:endParaRPr lang="en-US" dirty="0"/>
           </a:p>
@@ -2105,7 +2106,7 @@
           <a:p>
             <a:fld id="{92BEA474-078D-4E9B-9B14-09A87B19DC46}" type="datetime1">
               <a:rPr lang="en-US" smtClean="0"/>
-              <a:t>3/4/20</a:t>
+              <a:t>3/5/20</a:t>
             </a:fld>
             <a:endParaRPr lang="en-US" dirty="0"/>
           </a:p>
@@ -2363,7 +2364,7 @@
           <a:p>
             <a:fld id="{4907D986-8816-4272-A432-0437A28A9828}" type="datetime1">
               <a:rPr lang="en-US" smtClean="0"/>
-              <a:t>3/4/20</a:t>
+              <a:t>3/5/20</a:t>
             </a:fld>
             <a:endParaRPr lang="en-US" dirty="0"/>
           </a:p>
@@ -2577,7 +2578,7 @@
           <a:p>
             <a:fld id="{62D6E202-B606-4609-B914-27C9371A1F6D}" type="datetime1">
               <a:rPr lang="en-US" smtClean="0"/>
-              <a:t>3/4/20</a:t>
+              <a:t>3/5/20</a:t>
             </a:fld>
             <a:endParaRPr lang="en-US" dirty="0"/>
           </a:p>
@@ -3788,10 +3789,10 @@
       </p:grpSpPr>
       <p:pic>
         <p:nvPicPr>
-          <p:cNvPr id="5" name="Content Placeholder 4" descr="A close up of a sign&#10;&#10;Description automatically generated">
+          <p:cNvPr id="6" name="Content Placeholder 5" descr="A close up of a logo&#10;&#10;Description automatically generated">
             <a:extLst>
               <a:ext uri="{FF2B5EF4-FFF2-40B4-BE49-F238E27FC236}">
-                <a16:creationId xmlns:a16="http://schemas.microsoft.com/office/drawing/2014/main" id="{599A5E53-6365-8841-85EE-DA9D22C81780}"/>
+                <a16:creationId xmlns:a16="http://schemas.microsoft.com/office/drawing/2014/main" id="{48752422-F7E0-7F48-8584-AE2CEDB22573}"/>
               </a:ext>
             </a:extLst>
           </p:cNvPr>
@@ -3799,30 +3800,18 @@
             <a:picLocks noGrp="1" noChangeAspect="1"/>
           </p:cNvPicPr>
           <p:nvPr>
-            <p:ph idx="1"/>
+            <p:ph sz="half" idx="2"/>
           </p:nvPr>
         </p:nvPicPr>
         <p:blipFill rotWithShape="1">
-          <a:blip r:embed="rId2">
-            <a:extLst>
-              <a:ext uri="{BEBA8EAE-BF5A-486C-A8C5-ECC9F3942E4B}">
-                <a14:imgProps xmlns:a14="http://schemas.microsoft.com/office/drawing/2010/main">
-                  <a14:imgLayer r:embed="rId3">
-                    <a14:imgEffect>
-                      <a14:artisticGlowEdges/>
-                    </a14:imgEffect>
-                  </a14:imgLayer>
-                </a14:imgProps>
-              </a:ext>
-            </a:extLst>
-          </a:blip>
-          <a:srcRect l="11111"/>
+          <a:blip r:embed="rId2"/>
+          <a:srcRect b="4255"/>
           <a:stretch/>
         </p:blipFill>
         <p:spPr>
           <a:xfrm>
-            <a:off x="0" y="0"/>
-            <a:ext cx="12192000" cy="6858000"/>
+            <a:off x="0" y="10"/>
+            <a:ext cx="12192000" cy="6857990"/>
           </a:xfrm>
           <a:prstGeom prst="rect">
             <a:avLst/>
@@ -3831,7 +3820,7 @@
       </p:pic>
       <p:sp>
         <p:nvSpPr>
-          <p:cNvPr id="22" name="Freeform 5">
+          <p:cNvPr id="41" name="Freeform 5">
             <a:extLst>
               <a:ext uri="{FF2B5EF4-FFF2-40B4-BE49-F238E27FC236}">
                 <a16:creationId xmlns:a16="http://schemas.microsoft.com/office/drawing/2014/main" id="{3CD9DF72-87A3-404E-A828-84CBF11A8303}"/>
@@ -3973,24 +3962,25 @@
       </p:sp>
       <p:sp>
         <p:nvSpPr>
-          <p:cNvPr id="6" name="TextBox 5">
+          <p:cNvPr id="2" name="Title 1">
             <a:extLst>
               <a:ext uri="{FF2B5EF4-FFF2-40B4-BE49-F238E27FC236}">
-                <a16:creationId xmlns:a16="http://schemas.microsoft.com/office/drawing/2014/main" id="{CD4F74E2-AA7F-BA4D-931C-38B92663EA75}"/>
+                <a16:creationId xmlns:a16="http://schemas.microsoft.com/office/drawing/2014/main" id="{971483D9-8B69-D841-9839-678A983EC2BC}"/>
               </a:ext>
             </a:extLst>
           </p:cNvPr>
-          <p:cNvSpPr txBox="1"/>
-          <p:nvPr/>
+          <p:cNvSpPr>
+            <a:spLocks noGrp="1"/>
+          </p:cNvSpPr>
+          <p:nvPr>
+            <p:ph type="title"/>
+          </p:nvPr>
         </p:nvSpPr>
         <p:spPr>
           <a:xfrm>
             <a:off x="709448" y="1913950"/>
             <a:ext cx="4204137" cy="1342754"/>
           </a:xfrm>
-          <a:prstGeom prst="rect">
-            <a:avLst/>
-          </a:prstGeom>
         </p:spPr>
         <p:txBody>
           <a:bodyPr vert="horz" lIns="91440" tIns="45720" rIns="91440" bIns="45720" rtlCol="0" anchor="ctr">
@@ -3998,31 +3988,20 @@
           </a:bodyPr>
           <a:lstStyle/>
           <a:p>
-            <a:pPr algn="ctr" defTabSz="914400">
-              <a:lnSpc>
-                <a:spcPct val="90000"/>
-              </a:lnSpc>
-              <a:spcBef>
-                <a:spcPct val="0"/>
-              </a:spcBef>
-              <a:spcAft>
-                <a:spcPts val="600"/>
-              </a:spcAft>
-            </a:pPr>
-            <a:r>
-              <a:rPr lang="en-US" sz="4000" b="1" dirty="0">
-                <a:latin typeface="Impact" panose="020B0806030902050204" pitchFamily="34" charset="0"/>
-                <a:ea typeface="+mj-ea"/>
-                <a:cs typeface="+mj-cs"/>
+            <a:pPr algn="ctr"/>
+            <a:r>
+              <a:rPr lang="en-US" sz="5000" b="1" dirty="0">
+                <a:latin typeface="Aharoni" panose="020F0502020204030204" pitchFamily="34" charset="0"/>
+                <a:cs typeface="Aharoni" panose="020F0502020204030204" pitchFamily="34" charset="0"/>
               </a:rPr>
-              <a:t>Features</a:t>
+              <a:t>Tencent</a:t>
             </a:r>
           </a:p>
         </p:txBody>
       </p:sp>
       <p:cxnSp>
         <p:nvCxnSpPr>
-          <p:cNvPr id="23" name="Straight Connector 13">
+          <p:cNvPr id="13" name="Straight Connector 12">
             <a:extLst>
               <a:ext uri="{FF2B5EF4-FFF2-40B4-BE49-F238E27FC236}">
                 <a16:creationId xmlns:a16="http://schemas.microsoft.com/office/drawing/2014/main" id="{20E3A342-4D61-4E3F-AF90-1AB42AEB96CC}"/>
@@ -4078,6 +4057,379 @@
       </p:cxnSp>
       <p:sp>
         <p:nvSpPr>
+          <p:cNvPr id="3" name="Content Placeholder 2">
+            <a:extLst>
+              <a:ext uri="{FF2B5EF4-FFF2-40B4-BE49-F238E27FC236}">
+                <a16:creationId xmlns:a16="http://schemas.microsoft.com/office/drawing/2014/main" id="{DA74AADC-8E98-5940-90CB-565F5B5AAB60}"/>
+              </a:ext>
+            </a:extLst>
+          </p:cNvPr>
+          <p:cNvSpPr>
+            <a:spLocks noGrp="1"/>
+          </p:cNvSpPr>
+          <p:nvPr>
+            <p:ph sz="half" idx="1"/>
+          </p:nvPr>
+        </p:nvSpPr>
+        <p:spPr>
+          <a:xfrm>
+            <a:off x="515005" y="3337139"/>
+            <a:ext cx="4593021" cy="3520849"/>
+          </a:xfrm>
+        </p:spPr>
+        <p:txBody>
+          <a:bodyPr vert="horz" lIns="91440" tIns="45720" rIns="91440" bIns="45720" rtlCol="0" anchor="ctr">
+            <a:normAutofit fontScale="55000" lnSpcReduction="20000"/>
+          </a:bodyPr>
+          <a:lstStyle/>
+          <a:p>
+            <a:pPr>
+              <a:lnSpc>
+                <a:spcPct val="170000"/>
+              </a:lnSpc>
+            </a:pPr>
+            <a:r>
+              <a:rPr lang="en-US" sz="3200" b="1" dirty="0">
+                <a:latin typeface="Book Antiqua" panose="02040602050305030304" pitchFamily="18" charset="0"/>
+              </a:rPr>
+              <a:t>Products include search engine, social networking, instant messaging, mass media, web portals, e- commerce, web browser, antivirus software, artificial intelligence, music, payment system, film production, video games, online services. </a:t>
+            </a:r>
+          </a:p>
+          <a:p>
+            <a:endParaRPr lang="en-US" sz="1800" dirty="0"/>
+          </a:p>
+        </p:txBody>
+      </p:sp>
+    </p:spTree>
+    <p:extLst>
+      <p:ext uri="{BB962C8B-B14F-4D97-AF65-F5344CB8AC3E}">
+        <p14:creationId xmlns:p14="http://schemas.microsoft.com/office/powerpoint/2010/main" val="3816998517"/>
+      </p:ext>
+    </p:extLst>
+  </p:cSld>
+  <p:clrMapOvr>
+    <a:masterClrMapping/>
+  </p:clrMapOvr>
+</p:sld>
+</file>
+
+<file path=ppt/slides/slide4.xml><?xml version="1.0" encoding="utf-8"?>
+<p:sld xmlns:a="http://schemas.openxmlformats.org/drawingml/2006/main" xmlns:r="http://schemas.openxmlformats.org/officeDocument/2006/relationships" xmlns:p="http://schemas.openxmlformats.org/presentationml/2006/main">
+  <p:cSld>
+    <p:bg>
+      <p:bgPr>
+        <a:solidFill>
+          <a:schemeClr val="bg1"/>
+        </a:solidFill>
+        <a:effectLst/>
+      </p:bgPr>
+    </p:bg>
+    <p:spTree>
+      <p:nvGrpSpPr>
+        <p:cNvPr id="1" name=""/>
+        <p:cNvGrpSpPr/>
+        <p:nvPr/>
+      </p:nvGrpSpPr>
+      <p:grpSpPr>
+        <a:xfrm>
+          <a:off x="0" y="0"/>
+          <a:ext cx="0" cy="0"/>
+          <a:chOff x="0" y="0"/>
+          <a:chExt cx="0" cy="0"/>
+        </a:xfrm>
+      </p:grpSpPr>
+      <p:pic>
+        <p:nvPicPr>
+          <p:cNvPr id="5" name="Content Placeholder 4" descr="A close up of a sign&#10;&#10;Description automatically generated">
+            <a:extLst>
+              <a:ext uri="{FF2B5EF4-FFF2-40B4-BE49-F238E27FC236}">
+                <a16:creationId xmlns:a16="http://schemas.microsoft.com/office/drawing/2014/main" id="{599A5E53-6365-8841-85EE-DA9D22C81780}"/>
+              </a:ext>
+            </a:extLst>
+          </p:cNvPr>
+          <p:cNvPicPr>
+            <a:picLocks noGrp="1" noChangeAspect="1"/>
+          </p:cNvPicPr>
+          <p:nvPr>
+            <p:ph idx="1"/>
+          </p:nvPr>
+        </p:nvPicPr>
+        <p:blipFill rotWithShape="1">
+          <a:blip r:embed="rId2">
+            <a:extLst>
+              <a:ext uri="{BEBA8EAE-BF5A-486C-A8C5-ECC9F3942E4B}">
+                <a14:imgProps xmlns:a14="http://schemas.microsoft.com/office/drawing/2010/main">
+                  <a14:imgLayer r:embed="rId3">
+                    <a14:imgEffect>
+                      <a14:artisticGlowEdges/>
+                    </a14:imgEffect>
+                  </a14:imgLayer>
+                </a14:imgProps>
+              </a:ext>
+            </a:extLst>
+          </a:blip>
+          <a:srcRect l="11111"/>
+          <a:stretch/>
+        </p:blipFill>
+        <p:spPr>
+          <a:xfrm>
+            <a:off x="0" y="0"/>
+            <a:ext cx="12192000" cy="6858000"/>
+          </a:xfrm>
+          <a:prstGeom prst="rect">
+            <a:avLst/>
+          </a:prstGeom>
+        </p:spPr>
+      </p:pic>
+      <p:sp>
+        <p:nvSpPr>
+          <p:cNvPr id="22" name="Freeform 5">
+            <a:extLst>
+              <a:ext uri="{FF2B5EF4-FFF2-40B4-BE49-F238E27FC236}">
+                <a16:creationId xmlns:a16="http://schemas.microsoft.com/office/drawing/2014/main" id="{3CD9DF72-87A3-404E-A828-84CBF11A8303}"/>
+              </a:ext>
+              <a:ext uri="{C183D7F6-B498-43B3-948B-1728B52AA6E4}">
+                <adec:decorative xmlns:adec="http://schemas.microsoft.com/office/drawing/2017/decorative" val="1"/>
+              </a:ext>
+            </a:extLst>
+          </p:cNvPr>
+          <p:cNvSpPr>
+            <a:spLocks noGrp="1" noRot="1" noChangeAspect="1" noMove="1" noResize="1" noEditPoints="1" noAdjustHandles="1" noChangeArrowheads="1" noChangeShapeType="1" noTextEdit="1"/>
+          </p:cNvSpPr>
+          <p:nvPr>
+            <p:extLst>
+              <p:ext uri="{386F3935-93C4-4BCD-93E2-E3B085C9AB24}">
+                <p16:designElem xmlns:p16="http://schemas.microsoft.com/office/powerpoint/2015/main" val="1"/>
+              </p:ext>
+            </p:extLst>
+          </p:nvPr>
+        </p:nvSpPr>
+        <p:spPr bwMode="grayWhite">
+          <a:xfrm flipH="1">
+            <a:off x="0" y="998175"/>
+            <a:ext cx="6017172" cy="5859825"/>
+          </a:xfrm>
+          <a:custGeom>
+            <a:avLst/>
+            <a:gdLst>
+              <a:gd name="T0" fmla="*/ 1333 w 1333"/>
+              <a:gd name="T1" fmla="*/ 1031 h 1298"/>
+              <a:gd name="T2" fmla="*/ 1333 w 1333"/>
+              <a:gd name="T3" fmla="*/ 380 h 1298"/>
+              <a:gd name="T4" fmla="*/ 706 w 1333"/>
+              <a:gd name="T5" fmla="*/ 0 h 1298"/>
+              <a:gd name="T6" fmla="*/ 0 w 1333"/>
+              <a:gd name="T7" fmla="*/ 706 h 1298"/>
+              <a:gd name="T8" fmla="*/ 323 w 1333"/>
+              <a:gd name="T9" fmla="*/ 1298 h 1298"/>
+              <a:gd name="T10" fmla="*/ 1090 w 1333"/>
+              <a:gd name="T11" fmla="*/ 1298 h 1298"/>
+              <a:gd name="T12" fmla="*/ 1333 w 1333"/>
+              <a:gd name="T13" fmla="*/ 1031 h 1298"/>
+            </a:gdLst>
+            <a:ahLst/>
+            <a:cxnLst>
+              <a:cxn ang="0">
+                <a:pos x="T0" y="T1"/>
+              </a:cxn>
+              <a:cxn ang="0">
+                <a:pos x="T2" y="T3"/>
+              </a:cxn>
+              <a:cxn ang="0">
+                <a:pos x="T4" y="T5"/>
+              </a:cxn>
+              <a:cxn ang="0">
+                <a:pos x="T6" y="T7"/>
+              </a:cxn>
+              <a:cxn ang="0">
+                <a:pos x="T8" y="T9"/>
+              </a:cxn>
+              <a:cxn ang="0">
+                <a:pos x="T10" y="T11"/>
+              </a:cxn>
+              <a:cxn ang="0">
+                <a:pos x="T12" y="T13"/>
+              </a:cxn>
+            </a:cxnLst>
+            <a:rect l="0" t="0" r="r" b="b"/>
+            <a:pathLst>
+              <a:path w="1333" h="1298">
+                <a:moveTo>
+                  <a:pt x="1333" y="1031"/>
+                </a:moveTo>
+                <a:cubicBezTo>
+                  <a:pt x="1333" y="380"/>
+                  <a:pt x="1333" y="380"/>
+                  <a:pt x="1333" y="380"/>
+                </a:cubicBezTo>
+                <a:cubicBezTo>
+                  <a:pt x="1215" y="154"/>
+                  <a:pt x="979" y="0"/>
+                  <a:pt x="706" y="0"/>
+                </a:cubicBezTo>
+                <a:cubicBezTo>
+                  <a:pt x="317" y="0"/>
+                  <a:pt x="0" y="316"/>
+                  <a:pt x="0" y="706"/>
+                </a:cubicBezTo>
+                <a:cubicBezTo>
+                  <a:pt x="0" y="954"/>
+                  <a:pt x="129" y="1172"/>
+                  <a:pt x="323" y="1298"/>
+                </a:cubicBezTo>
+                <a:cubicBezTo>
+                  <a:pt x="1090" y="1298"/>
+                  <a:pt x="1090" y="1298"/>
+                  <a:pt x="1090" y="1298"/>
+                </a:cubicBezTo>
+                <a:cubicBezTo>
+                  <a:pt x="1193" y="1232"/>
+                  <a:pt x="1276" y="1140"/>
+                  <a:pt x="1333" y="1031"/>
+                </a:cubicBezTo>
+                <a:close/>
+              </a:path>
+            </a:pathLst>
+          </a:custGeom>
+          <a:solidFill>
+            <a:schemeClr val="bg1">
+              <a:alpha val="75000"/>
+            </a:schemeClr>
+          </a:solidFill>
+          <a:ln w="50800" cap="sq" cmpd="dbl">
+            <a:noFill/>
+            <a:miter lim="800000"/>
+          </a:ln>
+          <a:effectLst/>
+        </p:spPr>
+        <p:txBody>
+          <a:bodyPr vert="horz" lIns="91440" tIns="45720" rIns="91440" bIns="45720" rtlCol="0" anchor="t">
+            <a:normAutofit/>
+          </a:bodyPr>
+          <a:lstStyle/>
+          <a:p>
+            <a:pPr algn="ctr">
+              <a:spcAft>
+                <a:spcPts val="1000"/>
+              </a:spcAft>
+              <a:buClr>
+                <a:schemeClr val="tx1"/>
+              </a:buClr>
+              <a:buSzPct val="100000"/>
+              <a:buFont typeface="Arial"/>
+              <a:buNone/>
+            </a:pPr>
+            <a:endParaRPr lang="en-US" sz="1600" cap="all"/>
+          </a:p>
+        </p:txBody>
+      </p:sp>
+      <p:sp>
+        <p:nvSpPr>
+          <p:cNvPr id="6" name="TextBox 5">
+            <a:extLst>
+              <a:ext uri="{FF2B5EF4-FFF2-40B4-BE49-F238E27FC236}">
+                <a16:creationId xmlns:a16="http://schemas.microsoft.com/office/drawing/2014/main" id="{CD4F74E2-AA7F-BA4D-931C-38B92663EA75}"/>
+              </a:ext>
+            </a:extLst>
+          </p:cNvPr>
+          <p:cNvSpPr txBox="1"/>
+          <p:nvPr/>
+        </p:nvSpPr>
+        <p:spPr>
+          <a:xfrm>
+            <a:off x="709448" y="1913950"/>
+            <a:ext cx="4204137" cy="1342754"/>
+          </a:xfrm>
+          <a:prstGeom prst="rect">
+            <a:avLst/>
+          </a:prstGeom>
+        </p:spPr>
+        <p:txBody>
+          <a:bodyPr vert="horz" lIns="91440" tIns="45720" rIns="91440" bIns="45720" rtlCol="0" anchor="ctr">
+            <a:normAutofit/>
+          </a:bodyPr>
+          <a:lstStyle/>
+          <a:p>
+            <a:pPr algn="ctr" defTabSz="914400">
+              <a:lnSpc>
+                <a:spcPct val="90000"/>
+              </a:lnSpc>
+              <a:spcBef>
+                <a:spcPct val="0"/>
+              </a:spcBef>
+              <a:spcAft>
+                <a:spcPts val="600"/>
+              </a:spcAft>
+            </a:pPr>
+            <a:r>
+              <a:rPr lang="en-US" sz="4000" b="1" dirty="0">
+                <a:latin typeface="Impact" panose="020B0806030902050204" pitchFamily="34" charset="0"/>
+                <a:ea typeface="+mj-ea"/>
+                <a:cs typeface="+mj-cs"/>
+              </a:rPr>
+              <a:t>Features</a:t>
+            </a:r>
+          </a:p>
+        </p:txBody>
+      </p:sp>
+      <p:cxnSp>
+        <p:nvCxnSpPr>
+          <p:cNvPr id="23" name="Straight Connector 13">
+            <a:extLst>
+              <a:ext uri="{FF2B5EF4-FFF2-40B4-BE49-F238E27FC236}">
+                <a16:creationId xmlns:a16="http://schemas.microsoft.com/office/drawing/2014/main" id="{20E3A342-4D61-4E3F-AF90-1AB42AEB96CC}"/>
+              </a:ext>
+              <a:ext uri="{C183D7F6-B498-43B3-948B-1728B52AA6E4}">
+                <adec:decorative xmlns:adec="http://schemas.microsoft.com/office/drawing/2017/decorative" val="1"/>
+              </a:ext>
+            </a:extLst>
+          </p:cNvPr>
+          <p:cNvCxnSpPr>
+            <a:cxnSpLocks noGrp="1" noRot="1" noChangeAspect="1" noMove="1" noResize="1" noEditPoints="1" noAdjustHandles="1" noChangeArrowheads="1" noChangeShapeType="1"/>
+          </p:cNvCxnSpPr>
+          <p:nvPr>
+            <p:extLst>
+              <p:ext uri="{386F3935-93C4-4BCD-93E2-E3B085C9AB24}">
+                <p16:designElem xmlns:p16="http://schemas.microsoft.com/office/powerpoint/2015/main" val="1"/>
+              </p:ext>
+            </p:extLst>
+          </p:nvPr>
+        </p:nvCxnSpPr>
+        <p:spPr>
+          <a:xfrm>
+            <a:off x="2287051" y="3337139"/>
+            <a:ext cx="935420" cy="0"/>
+          </a:xfrm>
+          <a:prstGeom prst="line">
+            <a:avLst/>
+          </a:prstGeom>
+          <a:ln w="25400" cap="sq">
+            <a:solidFill>
+              <a:schemeClr val="tx1">
+                <a:lumMod val="85000"/>
+                <a:lumOff val="15000"/>
+              </a:schemeClr>
+            </a:solidFill>
+            <a:bevel/>
+          </a:ln>
+        </p:spPr>
+        <p:style>
+          <a:lnRef idx="1">
+            <a:schemeClr val="accent1"/>
+          </a:lnRef>
+          <a:fillRef idx="0">
+            <a:schemeClr val="accent1"/>
+          </a:fillRef>
+          <a:effectRef idx="0">
+            <a:schemeClr val="accent1"/>
+          </a:effectRef>
+          <a:fontRef idx="minor">
+            <a:schemeClr val="tx1"/>
+          </a:fontRef>
+        </p:style>
+      </p:cxnSp>
+      <p:sp>
+        <p:nvSpPr>
           <p:cNvPr id="7" name="TextBox 6">
             <a:extLst>
               <a:ext uri="{FF2B5EF4-FFF2-40B4-BE49-F238E27FC236}">
@@ -4213,7 +4565,7 @@
 </p:sld>
 </file>
 
-<file path=ppt/slides/slide4.xml><?xml version="1.0" encoding="utf-8"?>
+<file path=ppt/slides/slide5.xml><?xml version="1.0" encoding="utf-8"?>
 <p:sld xmlns:a="http://schemas.openxmlformats.org/drawingml/2006/main" xmlns:r="http://schemas.openxmlformats.org/officeDocument/2006/relationships" xmlns:p="http://schemas.openxmlformats.org/presentationml/2006/main">
   <p:cSld>
     <p:bg>
@@ -4833,7 +5185,7 @@
 </p:sld>
 </file>
 
-<file path=ppt/slides/slide5.xml><?xml version="1.0" encoding="utf-8"?>
+<file path=ppt/slides/slide6.xml><?xml version="1.0" encoding="utf-8"?>
 <p:sld xmlns:a="http://schemas.openxmlformats.org/drawingml/2006/main" xmlns:r="http://schemas.openxmlformats.org/officeDocument/2006/relationships" xmlns:p="http://schemas.openxmlformats.org/presentationml/2006/main">
   <p:cSld>
     <p:bg>
@@ -5483,7 +5835,7 @@
 </p:sld>
 </file>
 
-<file path=ppt/slides/slide6.xml><?xml version="1.0" encoding="utf-8"?>
+<file path=ppt/slides/slide7.xml><?xml version="1.0" encoding="utf-8"?>
 <p:sld xmlns:a="http://schemas.openxmlformats.org/drawingml/2006/main" xmlns:r="http://schemas.openxmlformats.org/officeDocument/2006/relationships" xmlns:p="http://schemas.openxmlformats.org/presentationml/2006/main">
   <p:cSld>
     <p:bg>
@@ -5888,7 +6240,7 @@
 </p:sld>
 </file>
 
-<file path=ppt/slides/slide7.xml><?xml version="1.0" encoding="utf-8"?>
+<file path=ppt/slides/slide8.xml><?xml version="1.0" encoding="utf-8"?>
 <p:sld xmlns:a="http://schemas.openxmlformats.org/drawingml/2006/main" xmlns:r="http://schemas.openxmlformats.org/officeDocument/2006/relationships" xmlns:p="http://schemas.openxmlformats.org/presentationml/2006/main">
   <p:cSld>
     <p:bg>
@@ -6462,7 +6814,7 @@
 </p:sld>
 </file>
 
-<file path=ppt/slides/slide8.xml><?xml version="1.0" encoding="utf-8"?>
+<file path=ppt/slides/slide9.xml><?xml version="1.0" encoding="utf-8"?>
 <p:sld xmlns:a="http://schemas.openxmlformats.org/drawingml/2006/main" xmlns:r="http://schemas.openxmlformats.org/officeDocument/2006/relationships" xmlns:p="http://schemas.openxmlformats.org/presentationml/2006/main">
   <p:cSld>
     <p:spTree>
